--- a/ppt 16-9/1416.神已将祂高举.pptx
+++ b/ppt 16-9/1416.神已将祂高举.pptx
@@ -129,7 +129,7 @@
           <p:cNvPr id="2" name="标题 1">
             <a:extLst>
               <a:ext uri="{FF2B5EF4-FFF2-40B4-BE49-F238E27FC236}">
-                <a16:creationId xmlns:a16="http://schemas.microsoft.com/office/drawing/2014/main" id="{C4C33184-688C-2F45-7DD6-9F5F0CFFA526}"/>
+                <a16:creationId xmlns:a16="http://schemas.microsoft.com/office/drawing/2014/main" id="{580252FC-819D-9896-D5C8-25B3318C63CA}"/>
               </a:ext>
             </a:extLst>
           </p:cNvPr>
@@ -166,7 +166,7 @@
           <p:cNvPr id="3" name="副标题 2">
             <a:extLst>
               <a:ext uri="{FF2B5EF4-FFF2-40B4-BE49-F238E27FC236}">
-                <a16:creationId xmlns:a16="http://schemas.microsoft.com/office/drawing/2014/main" id="{B7FF02AB-EF1C-7C9A-BCDB-C3C08BA62FEF}"/>
+                <a16:creationId xmlns:a16="http://schemas.microsoft.com/office/drawing/2014/main" id="{7BD236FA-B72F-2BDD-9BF3-E0D510DB544E}"/>
               </a:ext>
             </a:extLst>
           </p:cNvPr>
@@ -236,7 +236,7 @@
           <p:cNvPr id="4" name="日期占位符 3">
             <a:extLst>
               <a:ext uri="{FF2B5EF4-FFF2-40B4-BE49-F238E27FC236}">
-                <a16:creationId xmlns:a16="http://schemas.microsoft.com/office/drawing/2014/main" id="{322454F1-C37F-62B5-E80D-864A1165E977}"/>
+                <a16:creationId xmlns:a16="http://schemas.microsoft.com/office/drawing/2014/main" id="{0AB984A9-1666-D589-2B86-17B2B5FD74F9}"/>
               </a:ext>
             </a:extLst>
           </p:cNvPr>
@@ -252,7 +252,7 @@
           <a:bodyPr/>
           <a:lstStyle/>
           <a:p>
-            <a:fld id="{29260F09-4430-4611-8929-2942A0A412FA}" type="datetimeFigureOut">
+            <a:fld id="{B1930D90-FB24-491A-B91F-DE54AED1A25F}" type="datetimeFigureOut">
               <a:rPr lang="zh-CN" altLang="en-US" smtClean="0"/>
               <a:t>2024/3/10</a:t>
             </a:fld>
@@ -265,7 +265,7 @@
           <p:cNvPr id="5" name="页脚占位符 4">
             <a:extLst>
               <a:ext uri="{FF2B5EF4-FFF2-40B4-BE49-F238E27FC236}">
-                <a16:creationId xmlns:a16="http://schemas.microsoft.com/office/drawing/2014/main" id="{9E6C8959-508F-424C-72AE-C9AA15DCC2A3}"/>
+                <a16:creationId xmlns:a16="http://schemas.microsoft.com/office/drawing/2014/main" id="{099DADAF-9B28-4F63-41EA-5051459CFF54}"/>
               </a:ext>
             </a:extLst>
           </p:cNvPr>
@@ -290,7 +290,7 @@
           <p:cNvPr id="6" name="灯片编号占位符 5">
             <a:extLst>
               <a:ext uri="{FF2B5EF4-FFF2-40B4-BE49-F238E27FC236}">
-                <a16:creationId xmlns:a16="http://schemas.microsoft.com/office/drawing/2014/main" id="{D0E4A668-7EA0-8AAB-1534-BD6F69F3DE3B}"/>
+                <a16:creationId xmlns:a16="http://schemas.microsoft.com/office/drawing/2014/main" id="{B148E414-2451-4260-F58C-AE7DF4B11F20}"/>
               </a:ext>
             </a:extLst>
           </p:cNvPr>
@@ -306,7 +306,7 @@
           <a:bodyPr/>
           <a:lstStyle/>
           <a:p>
-            <a:fld id="{DAC390F2-EA72-4BD2-B2BB-1BCCF9F152E5}" type="slidenum">
+            <a:fld id="{CB792261-A5A7-415A-AF33-B3BEE2785DAC}" type="slidenum">
               <a:rPr lang="zh-CN" altLang="en-US" smtClean="0"/>
               <a:t>‹#›</a:t>
             </a:fld>
@@ -317,7 +317,7 @@
     </p:spTree>
     <p:extLst>
       <p:ext uri="{BB962C8B-B14F-4D97-AF65-F5344CB8AC3E}">
-        <p14:creationId xmlns:p14="http://schemas.microsoft.com/office/powerpoint/2010/main" val="1694620404"/>
+        <p14:creationId xmlns:p14="http://schemas.microsoft.com/office/powerpoint/2010/main" val="79348817"/>
       </p:ext>
     </p:extLst>
   </p:cSld>
@@ -349,7 +349,7 @@
           <p:cNvPr id="2" name="标题 1">
             <a:extLst>
               <a:ext uri="{FF2B5EF4-FFF2-40B4-BE49-F238E27FC236}">
-                <a16:creationId xmlns:a16="http://schemas.microsoft.com/office/drawing/2014/main" id="{9155EA62-36A6-FF22-208B-DDF8443B4D51}"/>
+                <a16:creationId xmlns:a16="http://schemas.microsoft.com/office/drawing/2014/main" id="{26376A5C-22B3-EF3A-F18B-93AF0D9F6C02}"/>
               </a:ext>
             </a:extLst>
           </p:cNvPr>
@@ -377,7 +377,7 @@
           <p:cNvPr id="3" name="竖排文字占位符 2">
             <a:extLst>
               <a:ext uri="{FF2B5EF4-FFF2-40B4-BE49-F238E27FC236}">
-                <a16:creationId xmlns:a16="http://schemas.microsoft.com/office/drawing/2014/main" id="{45A970E5-495C-A7BC-E583-92CC43D5F6B6}"/>
+                <a16:creationId xmlns:a16="http://schemas.microsoft.com/office/drawing/2014/main" id="{A1BF060A-49F7-912F-62D9-907D75A3515A}"/>
               </a:ext>
             </a:extLst>
           </p:cNvPr>
@@ -434,7 +434,7 @@
           <p:cNvPr id="4" name="日期占位符 3">
             <a:extLst>
               <a:ext uri="{FF2B5EF4-FFF2-40B4-BE49-F238E27FC236}">
-                <a16:creationId xmlns:a16="http://schemas.microsoft.com/office/drawing/2014/main" id="{E81C46E0-6964-92B2-C10A-D7210BF81C9C}"/>
+                <a16:creationId xmlns:a16="http://schemas.microsoft.com/office/drawing/2014/main" id="{CD196881-B34E-15A0-9ECC-59820017A9C1}"/>
               </a:ext>
             </a:extLst>
           </p:cNvPr>
@@ -450,7 +450,7 @@
           <a:bodyPr/>
           <a:lstStyle/>
           <a:p>
-            <a:fld id="{29260F09-4430-4611-8929-2942A0A412FA}" type="datetimeFigureOut">
+            <a:fld id="{B1930D90-FB24-491A-B91F-DE54AED1A25F}" type="datetimeFigureOut">
               <a:rPr lang="zh-CN" altLang="en-US" smtClean="0"/>
               <a:t>2024/3/10</a:t>
             </a:fld>
@@ -463,7 +463,7 @@
           <p:cNvPr id="5" name="页脚占位符 4">
             <a:extLst>
               <a:ext uri="{FF2B5EF4-FFF2-40B4-BE49-F238E27FC236}">
-                <a16:creationId xmlns:a16="http://schemas.microsoft.com/office/drawing/2014/main" id="{79F8AEF6-7434-B19C-C496-A57C1D798BC0}"/>
+                <a16:creationId xmlns:a16="http://schemas.microsoft.com/office/drawing/2014/main" id="{754EF46F-8260-BCCB-9DCA-CE24A71DA924}"/>
               </a:ext>
             </a:extLst>
           </p:cNvPr>
@@ -488,7 +488,7 @@
           <p:cNvPr id="6" name="灯片编号占位符 5">
             <a:extLst>
               <a:ext uri="{FF2B5EF4-FFF2-40B4-BE49-F238E27FC236}">
-                <a16:creationId xmlns:a16="http://schemas.microsoft.com/office/drawing/2014/main" id="{FB9AB0E3-4203-4B5E-DDDC-73B74358319E}"/>
+                <a16:creationId xmlns:a16="http://schemas.microsoft.com/office/drawing/2014/main" id="{D6373B61-6DFB-C1E3-2202-647DCF082FB3}"/>
               </a:ext>
             </a:extLst>
           </p:cNvPr>
@@ -504,7 +504,7 @@
           <a:bodyPr/>
           <a:lstStyle/>
           <a:p>
-            <a:fld id="{DAC390F2-EA72-4BD2-B2BB-1BCCF9F152E5}" type="slidenum">
+            <a:fld id="{CB792261-A5A7-415A-AF33-B3BEE2785DAC}" type="slidenum">
               <a:rPr lang="zh-CN" altLang="en-US" smtClean="0"/>
               <a:t>‹#›</a:t>
             </a:fld>
@@ -515,7 +515,7 @@
     </p:spTree>
     <p:extLst>
       <p:ext uri="{BB962C8B-B14F-4D97-AF65-F5344CB8AC3E}">
-        <p14:creationId xmlns:p14="http://schemas.microsoft.com/office/powerpoint/2010/main" val="105612989"/>
+        <p14:creationId xmlns:p14="http://schemas.microsoft.com/office/powerpoint/2010/main" val="2624260589"/>
       </p:ext>
     </p:extLst>
   </p:cSld>
@@ -547,7 +547,7 @@
           <p:cNvPr id="2" name="竖排标题 1">
             <a:extLst>
               <a:ext uri="{FF2B5EF4-FFF2-40B4-BE49-F238E27FC236}">
-                <a16:creationId xmlns:a16="http://schemas.microsoft.com/office/drawing/2014/main" id="{FFA4C632-BC74-4900-A632-AF1C219F0CF5}"/>
+                <a16:creationId xmlns:a16="http://schemas.microsoft.com/office/drawing/2014/main" id="{1B2CA07A-5D31-BF85-F604-72C2FBC9DE25}"/>
               </a:ext>
             </a:extLst>
           </p:cNvPr>
@@ -580,7 +580,7 @@
           <p:cNvPr id="3" name="竖排文字占位符 2">
             <a:extLst>
               <a:ext uri="{FF2B5EF4-FFF2-40B4-BE49-F238E27FC236}">
-                <a16:creationId xmlns:a16="http://schemas.microsoft.com/office/drawing/2014/main" id="{0C9F8DA6-0D32-A089-1C12-ABB6CEFF3A5C}"/>
+                <a16:creationId xmlns:a16="http://schemas.microsoft.com/office/drawing/2014/main" id="{F33AC1F4-7678-BF4D-E4A2-745B84AEF87E}"/>
               </a:ext>
             </a:extLst>
           </p:cNvPr>
@@ -642,7 +642,7 @@
           <p:cNvPr id="4" name="日期占位符 3">
             <a:extLst>
               <a:ext uri="{FF2B5EF4-FFF2-40B4-BE49-F238E27FC236}">
-                <a16:creationId xmlns:a16="http://schemas.microsoft.com/office/drawing/2014/main" id="{1A078F53-ACD1-BCC1-D8D5-4D66CB858604}"/>
+                <a16:creationId xmlns:a16="http://schemas.microsoft.com/office/drawing/2014/main" id="{47FADA1D-1453-A290-F8CC-339CA108CDE2}"/>
               </a:ext>
             </a:extLst>
           </p:cNvPr>
@@ -658,7 +658,7 @@
           <a:bodyPr/>
           <a:lstStyle/>
           <a:p>
-            <a:fld id="{29260F09-4430-4611-8929-2942A0A412FA}" type="datetimeFigureOut">
+            <a:fld id="{B1930D90-FB24-491A-B91F-DE54AED1A25F}" type="datetimeFigureOut">
               <a:rPr lang="zh-CN" altLang="en-US" smtClean="0"/>
               <a:t>2024/3/10</a:t>
             </a:fld>
@@ -671,7 +671,7 @@
           <p:cNvPr id="5" name="页脚占位符 4">
             <a:extLst>
               <a:ext uri="{FF2B5EF4-FFF2-40B4-BE49-F238E27FC236}">
-                <a16:creationId xmlns:a16="http://schemas.microsoft.com/office/drawing/2014/main" id="{AFD8D169-D082-608B-F430-F6C181D1434F}"/>
+                <a16:creationId xmlns:a16="http://schemas.microsoft.com/office/drawing/2014/main" id="{F3D5396B-708E-B6F1-37A0-825671CB9128}"/>
               </a:ext>
             </a:extLst>
           </p:cNvPr>
@@ -696,7 +696,7 @@
           <p:cNvPr id="6" name="灯片编号占位符 5">
             <a:extLst>
               <a:ext uri="{FF2B5EF4-FFF2-40B4-BE49-F238E27FC236}">
-                <a16:creationId xmlns:a16="http://schemas.microsoft.com/office/drawing/2014/main" id="{68414878-E1F9-6F44-C724-709F778085D3}"/>
+                <a16:creationId xmlns:a16="http://schemas.microsoft.com/office/drawing/2014/main" id="{C8BEF514-9DBA-E680-BE80-7A32AA14B80C}"/>
               </a:ext>
             </a:extLst>
           </p:cNvPr>
@@ -712,7 +712,7 @@
           <a:bodyPr/>
           <a:lstStyle/>
           <a:p>
-            <a:fld id="{DAC390F2-EA72-4BD2-B2BB-1BCCF9F152E5}" type="slidenum">
+            <a:fld id="{CB792261-A5A7-415A-AF33-B3BEE2785DAC}" type="slidenum">
               <a:rPr lang="zh-CN" altLang="en-US" smtClean="0"/>
               <a:t>‹#›</a:t>
             </a:fld>
@@ -723,7 +723,7 @@
     </p:spTree>
     <p:extLst>
       <p:ext uri="{BB962C8B-B14F-4D97-AF65-F5344CB8AC3E}">
-        <p14:creationId xmlns:p14="http://schemas.microsoft.com/office/powerpoint/2010/main" val="1425268927"/>
+        <p14:creationId xmlns:p14="http://schemas.microsoft.com/office/powerpoint/2010/main" val="4018602324"/>
       </p:ext>
     </p:extLst>
   </p:cSld>
@@ -755,7 +755,7 @@
           <p:cNvPr id="2" name="标题 1">
             <a:extLst>
               <a:ext uri="{FF2B5EF4-FFF2-40B4-BE49-F238E27FC236}">
-                <a16:creationId xmlns:a16="http://schemas.microsoft.com/office/drawing/2014/main" id="{252BE0A3-7332-2B83-F153-CFD98796D1BC}"/>
+                <a16:creationId xmlns:a16="http://schemas.microsoft.com/office/drawing/2014/main" id="{ABC455EF-1A72-80E7-EC46-5D6438F62008}"/>
               </a:ext>
             </a:extLst>
           </p:cNvPr>
@@ -783,7 +783,7 @@
           <p:cNvPr id="3" name="内容占位符 2">
             <a:extLst>
               <a:ext uri="{FF2B5EF4-FFF2-40B4-BE49-F238E27FC236}">
-                <a16:creationId xmlns:a16="http://schemas.microsoft.com/office/drawing/2014/main" id="{8E07D5D3-0F46-D3FB-A555-0FE6DFDC9783}"/>
+                <a16:creationId xmlns:a16="http://schemas.microsoft.com/office/drawing/2014/main" id="{BF8F4321-E92B-31BF-D40A-FEEE5DBCEBC5}"/>
               </a:ext>
             </a:extLst>
           </p:cNvPr>
@@ -840,7 +840,7 @@
           <p:cNvPr id="4" name="日期占位符 3">
             <a:extLst>
               <a:ext uri="{FF2B5EF4-FFF2-40B4-BE49-F238E27FC236}">
-                <a16:creationId xmlns:a16="http://schemas.microsoft.com/office/drawing/2014/main" id="{8C00A706-798C-0AC5-675F-5165F4B64CE4}"/>
+                <a16:creationId xmlns:a16="http://schemas.microsoft.com/office/drawing/2014/main" id="{D82C6D01-534A-2B6D-F3C5-EC652063272F}"/>
               </a:ext>
             </a:extLst>
           </p:cNvPr>
@@ -856,7 +856,7 @@
           <a:bodyPr/>
           <a:lstStyle/>
           <a:p>
-            <a:fld id="{29260F09-4430-4611-8929-2942A0A412FA}" type="datetimeFigureOut">
+            <a:fld id="{B1930D90-FB24-491A-B91F-DE54AED1A25F}" type="datetimeFigureOut">
               <a:rPr lang="zh-CN" altLang="en-US" smtClean="0"/>
               <a:t>2024/3/10</a:t>
             </a:fld>
@@ -869,7 +869,7 @@
           <p:cNvPr id="5" name="页脚占位符 4">
             <a:extLst>
               <a:ext uri="{FF2B5EF4-FFF2-40B4-BE49-F238E27FC236}">
-                <a16:creationId xmlns:a16="http://schemas.microsoft.com/office/drawing/2014/main" id="{0AE82A85-34E5-1639-1587-D1B94FB31FE3}"/>
+                <a16:creationId xmlns:a16="http://schemas.microsoft.com/office/drawing/2014/main" id="{1E6A8AF4-8293-4AA3-4271-EF1B39F839CA}"/>
               </a:ext>
             </a:extLst>
           </p:cNvPr>
@@ -894,7 +894,7 @@
           <p:cNvPr id="6" name="灯片编号占位符 5">
             <a:extLst>
               <a:ext uri="{FF2B5EF4-FFF2-40B4-BE49-F238E27FC236}">
-                <a16:creationId xmlns:a16="http://schemas.microsoft.com/office/drawing/2014/main" id="{ADC48967-36A5-F717-D86A-D620F708E187}"/>
+                <a16:creationId xmlns:a16="http://schemas.microsoft.com/office/drawing/2014/main" id="{5EF3F047-DFCD-608B-5BB1-B0A42F3A4172}"/>
               </a:ext>
             </a:extLst>
           </p:cNvPr>
@@ -910,7 +910,7 @@
           <a:bodyPr/>
           <a:lstStyle/>
           <a:p>
-            <a:fld id="{DAC390F2-EA72-4BD2-B2BB-1BCCF9F152E5}" type="slidenum">
+            <a:fld id="{CB792261-A5A7-415A-AF33-B3BEE2785DAC}" type="slidenum">
               <a:rPr lang="zh-CN" altLang="en-US" smtClean="0"/>
               <a:t>‹#›</a:t>
             </a:fld>
@@ -921,7 +921,7 @@
     </p:spTree>
     <p:extLst>
       <p:ext uri="{BB962C8B-B14F-4D97-AF65-F5344CB8AC3E}">
-        <p14:creationId xmlns:p14="http://schemas.microsoft.com/office/powerpoint/2010/main" val="2490499981"/>
+        <p14:creationId xmlns:p14="http://schemas.microsoft.com/office/powerpoint/2010/main" val="291430802"/>
       </p:ext>
     </p:extLst>
   </p:cSld>
@@ -953,7 +953,7 @@
           <p:cNvPr id="2" name="标题 1">
             <a:extLst>
               <a:ext uri="{FF2B5EF4-FFF2-40B4-BE49-F238E27FC236}">
-                <a16:creationId xmlns:a16="http://schemas.microsoft.com/office/drawing/2014/main" id="{3190F838-6A4D-2CFC-B5F3-98AADC01FABB}"/>
+                <a16:creationId xmlns:a16="http://schemas.microsoft.com/office/drawing/2014/main" id="{F0A8056A-693B-B40B-1A18-28681D3A9DF1}"/>
               </a:ext>
             </a:extLst>
           </p:cNvPr>
@@ -990,7 +990,7 @@
           <p:cNvPr id="3" name="文本占位符 2">
             <a:extLst>
               <a:ext uri="{FF2B5EF4-FFF2-40B4-BE49-F238E27FC236}">
-                <a16:creationId xmlns:a16="http://schemas.microsoft.com/office/drawing/2014/main" id="{00F295D9-5FE5-02B9-A17A-8DB810B61520}"/>
+                <a16:creationId xmlns:a16="http://schemas.microsoft.com/office/drawing/2014/main" id="{C4F2F130-FA08-EC8F-3F41-19642EE18311}"/>
               </a:ext>
             </a:extLst>
           </p:cNvPr>
@@ -1115,7 +1115,7 @@
           <p:cNvPr id="4" name="日期占位符 3">
             <a:extLst>
               <a:ext uri="{FF2B5EF4-FFF2-40B4-BE49-F238E27FC236}">
-                <a16:creationId xmlns:a16="http://schemas.microsoft.com/office/drawing/2014/main" id="{B8F4296C-DD91-BEF0-B7A4-B876EBC31E94}"/>
+                <a16:creationId xmlns:a16="http://schemas.microsoft.com/office/drawing/2014/main" id="{460839EB-A261-A284-3373-C62B1D4C39E8}"/>
               </a:ext>
             </a:extLst>
           </p:cNvPr>
@@ -1131,7 +1131,7 @@
           <a:bodyPr/>
           <a:lstStyle/>
           <a:p>
-            <a:fld id="{29260F09-4430-4611-8929-2942A0A412FA}" type="datetimeFigureOut">
+            <a:fld id="{B1930D90-FB24-491A-B91F-DE54AED1A25F}" type="datetimeFigureOut">
               <a:rPr lang="zh-CN" altLang="en-US" smtClean="0"/>
               <a:t>2024/3/10</a:t>
             </a:fld>
@@ -1144,7 +1144,7 @@
           <p:cNvPr id="5" name="页脚占位符 4">
             <a:extLst>
               <a:ext uri="{FF2B5EF4-FFF2-40B4-BE49-F238E27FC236}">
-                <a16:creationId xmlns:a16="http://schemas.microsoft.com/office/drawing/2014/main" id="{CE8E1401-0AD0-BB3E-3972-149CF20F8710}"/>
+                <a16:creationId xmlns:a16="http://schemas.microsoft.com/office/drawing/2014/main" id="{4D24F30B-408C-51B2-DB23-27C0DEA8BBE8}"/>
               </a:ext>
             </a:extLst>
           </p:cNvPr>
@@ -1169,7 +1169,7 @@
           <p:cNvPr id="6" name="灯片编号占位符 5">
             <a:extLst>
               <a:ext uri="{FF2B5EF4-FFF2-40B4-BE49-F238E27FC236}">
-                <a16:creationId xmlns:a16="http://schemas.microsoft.com/office/drawing/2014/main" id="{FF5B08F6-44E3-102E-3FEB-38717711DA28}"/>
+                <a16:creationId xmlns:a16="http://schemas.microsoft.com/office/drawing/2014/main" id="{76153B47-DDA5-6225-C722-6E89D4C692B9}"/>
               </a:ext>
             </a:extLst>
           </p:cNvPr>
@@ -1185,7 +1185,7 @@
           <a:bodyPr/>
           <a:lstStyle/>
           <a:p>
-            <a:fld id="{DAC390F2-EA72-4BD2-B2BB-1BCCF9F152E5}" type="slidenum">
+            <a:fld id="{CB792261-A5A7-415A-AF33-B3BEE2785DAC}" type="slidenum">
               <a:rPr lang="zh-CN" altLang="en-US" smtClean="0"/>
               <a:t>‹#›</a:t>
             </a:fld>
@@ -1196,7 +1196,7 @@
     </p:spTree>
     <p:extLst>
       <p:ext uri="{BB962C8B-B14F-4D97-AF65-F5344CB8AC3E}">
-        <p14:creationId xmlns:p14="http://schemas.microsoft.com/office/powerpoint/2010/main" val="2592841508"/>
+        <p14:creationId xmlns:p14="http://schemas.microsoft.com/office/powerpoint/2010/main" val="2158176363"/>
       </p:ext>
     </p:extLst>
   </p:cSld>
@@ -1228,7 +1228,7 @@
           <p:cNvPr id="2" name="标题 1">
             <a:extLst>
               <a:ext uri="{FF2B5EF4-FFF2-40B4-BE49-F238E27FC236}">
-                <a16:creationId xmlns:a16="http://schemas.microsoft.com/office/drawing/2014/main" id="{A3DBFAA7-2F00-D283-E595-4A322FC9A333}"/>
+                <a16:creationId xmlns:a16="http://schemas.microsoft.com/office/drawing/2014/main" id="{933FD320-C511-D5C7-7BBD-537B4BC53F00}"/>
               </a:ext>
             </a:extLst>
           </p:cNvPr>
@@ -1256,7 +1256,7 @@
           <p:cNvPr id="3" name="内容占位符 2">
             <a:extLst>
               <a:ext uri="{FF2B5EF4-FFF2-40B4-BE49-F238E27FC236}">
-                <a16:creationId xmlns:a16="http://schemas.microsoft.com/office/drawing/2014/main" id="{CE2A34F8-CC5E-D0A0-AD32-EA4BA29C0457}"/>
+                <a16:creationId xmlns:a16="http://schemas.microsoft.com/office/drawing/2014/main" id="{7504AC34-56C7-4C1D-E62C-F452699E4C74}"/>
               </a:ext>
             </a:extLst>
           </p:cNvPr>
@@ -1318,7 +1318,7 @@
           <p:cNvPr id="4" name="内容占位符 3">
             <a:extLst>
               <a:ext uri="{FF2B5EF4-FFF2-40B4-BE49-F238E27FC236}">
-                <a16:creationId xmlns:a16="http://schemas.microsoft.com/office/drawing/2014/main" id="{CF9109BD-A1E4-A251-8382-B2DA2E840EF2}"/>
+                <a16:creationId xmlns:a16="http://schemas.microsoft.com/office/drawing/2014/main" id="{86D3B82A-332E-B46B-B75A-7C2C83B10FC4}"/>
               </a:ext>
             </a:extLst>
           </p:cNvPr>
@@ -1380,7 +1380,7 @@
           <p:cNvPr id="5" name="日期占位符 4">
             <a:extLst>
               <a:ext uri="{FF2B5EF4-FFF2-40B4-BE49-F238E27FC236}">
-                <a16:creationId xmlns:a16="http://schemas.microsoft.com/office/drawing/2014/main" id="{25346303-22CC-3BA7-F397-9162ECEE1D75}"/>
+                <a16:creationId xmlns:a16="http://schemas.microsoft.com/office/drawing/2014/main" id="{A36BCB1B-0BEE-6E51-BE7E-6B3F6A727417}"/>
               </a:ext>
             </a:extLst>
           </p:cNvPr>
@@ -1396,7 +1396,7 @@
           <a:bodyPr/>
           <a:lstStyle/>
           <a:p>
-            <a:fld id="{29260F09-4430-4611-8929-2942A0A412FA}" type="datetimeFigureOut">
+            <a:fld id="{B1930D90-FB24-491A-B91F-DE54AED1A25F}" type="datetimeFigureOut">
               <a:rPr lang="zh-CN" altLang="en-US" smtClean="0"/>
               <a:t>2024/3/10</a:t>
             </a:fld>
@@ -1409,7 +1409,7 @@
           <p:cNvPr id="6" name="页脚占位符 5">
             <a:extLst>
               <a:ext uri="{FF2B5EF4-FFF2-40B4-BE49-F238E27FC236}">
-                <a16:creationId xmlns:a16="http://schemas.microsoft.com/office/drawing/2014/main" id="{533184B7-836D-28B5-58A1-BDE9F66AA49A}"/>
+                <a16:creationId xmlns:a16="http://schemas.microsoft.com/office/drawing/2014/main" id="{A44BAA62-ADE4-2986-B501-94BC7C496EF5}"/>
               </a:ext>
             </a:extLst>
           </p:cNvPr>
@@ -1434,7 +1434,7 @@
           <p:cNvPr id="7" name="灯片编号占位符 6">
             <a:extLst>
               <a:ext uri="{FF2B5EF4-FFF2-40B4-BE49-F238E27FC236}">
-                <a16:creationId xmlns:a16="http://schemas.microsoft.com/office/drawing/2014/main" id="{2639CAA2-866F-2B6A-EA69-561D98852147}"/>
+                <a16:creationId xmlns:a16="http://schemas.microsoft.com/office/drawing/2014/main" id="{DF8A794C-2609-E5D0-7E79-1787588F73AB}"/>
               </a:ext>
             </a:extLst>
           </p:cNvPr>
@@ -1450,7 +1450,7 @@
           <a:bodyPr/>
           <a:lstStyle/>
           <a:p>
-            <a:fld id="{DAC390F2-EA72-4BD2-B2BB-1BCCF9F152E5}" type="slidenum">
+            <a:fld id="{CB792261-A5A7-415A-AF33-B3BEE2785DAC}" type="slidenum">
               <a:rPr lang="zh-CN" altLang="en-US" smtClean="0"/>
               <a:t>‹#›</a:t>
             </a:fld>
@@ -1461,7 +1461,7 @@
     </p:spTree>
     <p:extLst>
       <p:ext uri="{BB962C8B-B14F-4D97-AF65-F5344CB8AC3E}">
-        <p14:creationId xmlns:p14="http://schemas.microsoft.com/office/powerpoint/2010/main" val="2485201057"/>
+        <p14:creationId xmlns:p14="http://schemas.microsoft.com/office/powerpoint/2010/main" val="838420170"/>
       </p:ext>
     </p:extLst>
   </p:cSld>
@@ -1493,7 +1493,7 @@
           <p:cNvPr id="2" name="标题 1">
             <a:extLst>
               <a:ext uri="{FF2B5EF4-FFF2-40B4-BE49-F238E27FC236}">
-                <a16:creationId xmlns:a16="http://schemas.microsoft.com/office/drawing/2014/main" id="{AE8CE4B1-3C43-1B1F-AE17-0955008DB497}"/>
+                <a16:creationId xmlns:a16="http://schemas.microsoft.com/office/drawing/2014/main" id="{9EA59B22-2FAF-E6D9-A9C9-F7ECF1CA1CFD}"/>
               </a:ext>
             </a:extLst>
           </p:cNvPr>
@@ -1526,7 +1526,7 @@
           <p:cNvPr id="3" name="文本占位符 2">
             <a:extLst>
               <a:ext uri="{FF2B5EF4-FFF2-40B4-BE49-F238E27FC236}">
-                <a16:creationId xmlns:a16="http://schemas.microsoft.com/office/drawing/2014/main" id="{C94A48F9-8F83-22E8-4131-122C219152A1}"/>
+                <a16:creationId xmlns:a16="http://schemas.microsoft.com/office/drawing/2014/main" id="{2327B32D-8031-C507-9A8C-5BE26959A2A4}"/>
               </a:ext>
             </a:extLst>
           </p:cNvPr>
@@ -1597,7 +1597,7 @@
           <p:cNvPr id="4" name="内容占位符 3">
             <a:extLst>
               <a:ext uri="{FF2B5EF4-FFF2-40B4-BE49-F238E27FC236}">
-                <a16:creationId xmlns:a16="http://schemas.microsoft.com/office/drawing/2014/main" id="{B1966663-892C-9E0D-0759-214607D58303}"/>
+                <a16:creationId xmlns:a16="http://schemas.microsoft.com/office/drawing/2014/main" id="{34386ED5-34D4-F3B3-5C40-A359E2FFABB4}"/>
               </a:ext>
             </a:extLst>
           </p:cNvPr>
@@ -1659,7 +1659,7 @@
           <p:cNvPr id="5" name="文本占位符 4">
             <a:extLst>
               <a:ext uri="{FF2B5EF4-FFF2-40B4-BE49-F238E27FC236}">
-                <a16:creationId xmlns:a16="http://schemas.microsoft.com/office/drawing/2014/main" id="{10BA981F-6E37-F836-75D3-03DD6E4AC39E}"/>
+                <a16:creationId xmlns:a16="http://schemas.microsoft.com/office/drawing/2014/main" id="{2A27996F-A5E5-E872-C477-7722127641B3}"/>
               </a:ext>
             </a:extLst>
           </p:cNvPr>
@@ -1730,7 +1730,7 @@
           <p:cNvPr id="6" name="内容占位符 5">
             <a:extLst>
               <a:ext uri="{FF2B5EF4-FFF2-40B4-BE49-F238E27FC236}">
-                <a16:creationId xmlns:a16="http://schemas.microsoft.com/office/drawing/2014/main" id="{C6CFA582-CA2D-AE6C-D598-82C1C3A0763E}"/>
+                <a16:creationId xmlns:a16="http://schemas.microsoft.com/office/drawing/2014/main" id="{17E8BB30-3D91-CBA1-5B41-B397C530F9B8}"/>
               </a:ext>
             </a:extLst>
           </p:cNvPr>
@@ -1792,7 +1792,7 @@
           <p:cNvPr id="7" name="日期占位符 6">
             <a:extLst>
               <a:ext uri="{FF2B5EF4-FFF2-40B4-BE49-F238E27FC236}">
-                <a16:creationId xmlns:a16="http://schemas.microsoft.com/office/drawing/2014/main" id="{A1F59763-AD75-51B1-D34E-EE1D9A29EEC8}"/>
+                <a16:creationId xmlns:a16="http://schemas.microsoft.com/office/drawing/2014/main" id="{81D90428-DACF-A894-3CC8-CDF5127A561F}"/>
               </a:ext>
             </a:extLst>
           </p:cNvPr>
@@ -1808,7 +1808,7 @@
           <a:bodyPr/>
           <a:lstStyle/>
           <a:p>
-            <a:fld id="{29260F09-4430-4611-8929-2942A0A412FA}" type="datetimeFigureOut">
+            <a:fld id="{B1930D90-FB24-491A-B91F-DE54AED1A25F}" type="datetimeFigureOut">
               <a:rPr lang="zh-CN" altLang="en-US" smtClean="0"/>
               <a:t>2024/3/10</a:t>
             </a:fld>
@@ -1821,7 +1821,7 @@
           <p:cNvPr id="8" name="页脚占位符 7">
             <a:extLst>
               <a:ext uri="{FF2B5EF4-FFF2-40B4-BE49-F238E27FC236}">
-                <a16:creationId xmlns:a16="http://schemas.microsoft.com/office/drawing/2014/main" id="{6E4DB656-B8EB-2B88-4F75-BF0D94B6E8A2}"/>
+                <a16:creationId xmlns:a16="http://schemas.microsoft.com/office/drawing/2014/main" id="{94F09538-A3C0-C2A1-287C-BB8540D5CDC4}"/>
               </a:ext>
             </a:extLst>
           </p:cNvPr>
@@ -1846,7 +1846,7 @@
           <p:cNvPr id="9" name="灯片编号占位符 8">
             <a:extLst>
               <a:ext uri="{FF2B5EF4-FFF2-40B4-BE49-F238E27FC236}">
-                <a16:creationId xmlns:a16="http://schemas.microsoft.com/office/drawing/2014/main" id="{41EE85A7-14B8-1994-DAC3-A43705A122BD}"/>
+                <a16:creationId xmlns:a16="http://schemas.microsoft.com/office/drawing/2014/main" id="{E0A43ED8-87AA-9701-6957-9FB505A96240}"/>
               </a:ext>
             </a:extLst>
           </p:cNvPr>
@@ -1862,7 +1862,7 @@
           <a:bodyPr/>
           <a:lstStyle/>
           <a:p>
-            <a:fld id="{DAC390F2-EA72-4BD2-B2BB-1BCCF9F152E5}" type="slidenum">
+            <a:fld id="{CB792261-A5A7-415A-AF33-B3BEE2785DAC}" type="slidenum">
               <a:rPr lang="zh-CN" altLang="en-US" smtClean="0"/>
               <a:t>‹#›</a:t>
             </a:fld>
@@ -1873,7 +1873,7 @@
     </p:spTree>
     <p:extLst>
       <p:ext uri="{BB962C8B-B14F-4D97-AF65-F5344CB8AC3E}">
-        <p14:creationId xmlns:p14="http://schemas.microsoft.com/office/powerpoint/2010/main" val="2615400321"/>
+        <p14:creationId xmlns:p14="http://schemas.microsoft.com/office/powerpoint/2010/main" val="235184839"/>
       </p:ext>
     </p:extLst>
   </p:cSld>
@@ -1905,7 +1905,7 @@
           <p:cNvPr id="2" name="标题 1">
             <a:extLst>
               <a:ext uri="{FF2B5EF4-FFF2-40B4-BE49-F238E27FC236}">
-                <a16:creationId xmlns:a16="http://schemas.microsoft.com/office/drawing/2014/main" id="{02962FF6-A229-4D36-F596-D963853A17F4}"/>
+                <a16:creationId xmlns:a16="http://schemas.microsoft.com/office/drawing/2014/main" id="{A4D8EF5B-7A3C-440D-F098-EA599FB1FDE4}"/>
               </a:ext>
             </a:extLst>
           </p:cNvPr>
@@ -1933,7 +1933,7 @@
           <p:cNvPr id="3" name="日期占位符 2">
             <a:extLst>
               <a:ext uri="{FF2B5EF4-FFF2-40B4-BE49-F238E27FC236}">
-                <a16:creationId xmlns:a16="http://schemas.microsoft.com/office/drawing/2014/main" id="{C69D0A19-5CDD-834B-37F1-42E5CD863446}"/>
+                <a16:creationId xmlns:a16="http://schemas.microsoft.com/office/drawing/2014/main" id="{B385E5F5-A794-4DBC-E250-7584FDFFDF10}"/>
               </a:ext>
             </a:extLst>
           </p:cNvPr>
@@ -1949,7 +1949,7 @@
           <a:bodyPr/>
           <a:lstStyle/>
           <a:p>
-            <a:fld id="{29260F09-4430-4611-8929-2942A0A412FA}" type="datetimeFigureOut">
+            <a:fld id="{B1930D90-FB24-491A-B91F-DE54AED1A25F}" type="datetimeFigureOut">
               <a:rPr lang="zh-CN" altLang="en-US" smtClean="0"/>
               <a:t>2024/3/10</a:t>
             </a:fld>
@@ -1962,7 +1962,7 @@
           <p:cNvPr id="4" name="页脚占位符 3">
             <a:extLst>
               <a:ext uri="{FF2B5EF4-FFF2-40B4-BE49-F238E27FC236}">
-                <a16:creationId xmlns:a16="http://schemas.microsoft.com/office/drawing/2014/main" id="{69CFB63A-91E0-CCAD-BE5A-71EB1C20DB9C}"/>
+                <a16:creationId xmlns:a16="http://schemas.microsoft.com/office/drawing/2014/main" id="{828FB520-BD91-9DFB-13E9-8FED6F8A4BCA}"/>
               </a:ext>
             </a:extLst>
           </p:cNvPr>
@@ -1987,7 +1987,7 @@
           <p:cNvPr id="5" name="灯片编号占位符 4">
             <a:extLst>
               <a:ext uri="{FF2B5EF4-FFF2-40B4-BE49-F238E27FC236}">
-                <a16:creationId xmlns:a16="http://schemas.microsoft.com/office/drawing/2014/main" id="{6DE4E872-3E63-B30B-70D3-87A57B0A9F11}"/>
+                <a16:creationId xmlns:a16="http://schemas.microsoft.com/office/drawing/2014/main" id="{FD88F530-674A-9E50-6E51-04CC8FEADB10}"/>
               </a:ext>
             </a:extLst>
           </p:cNvPr>
@@ -2003,7 +2003,7 @@
           <a:bodyPr/>
           <a:lstStyle/>
           <a:p>
-            <a:fld id="{DAC390F2-EA72-4BD2-B2BB-1BCCF9F152E5}" type="slidenum">
+            <a:fld id="{CB792261-A5A7-415A-AF33-B3BEE2785DAC}" type="slidenum">
               <a:rPr lang="zh-CN" altLang="en-US" smtClean="0"/>
               <a:t>‹#›</a:t>
             </a:fld>
@@ -2014,7 +2014,7 @@
     </p:spTree>
     <p:extLst>
       <p:ext uri="{BB962C8B-B14F-4D97-AF65-F5344CB8AC3E}">
-        <p14:creationId xmlns:p14="http://schemas.microsoft.com/office/powerpoint/2010/main" val="1016604898"/>
+        <p14:creationId xmlns:p14="http://schemas.microsoft.com/office/powerpoint/2010/main" val="2931748283"/>
       </p:ext>
     </p:extLst>
   </p:cSld>
@@ -2046,7 +2046,7 @@
           <p:cNvPr id="2" name="日期占位符 1">
             <a:extLst>
               <a:ext uri="{FF2B5EF4-FFF2-40B4-BE49-F238E27FC236}">
-                <a16:creationId xmlns:a16="http://schemas.microsoft.com/office/drawing/2014/main" id="{5C8AA224-6F26-6B37-2D67-16134E70843E}"/>
+                <a16:creationId xmlns:a16="http://schemas.microsoft.com/office/drawing/2014/main" id="{975686B2-8450-686B-9B3F-FC5A73405AA3}"/>
               </a:ext>
             </a:extLst>
           </p:cNvPr>
@@ -2062,7 +2062,7 @@
           <a:bodyPr/>
           <a:lstStyle/>
           <a:p>
-            <a:fld id="{29260F09-4430-4611-8929-2942A0A412FA}" type="datetimeFigureOut">
+            <a:fld id="{B1930D90-FB24-491A-B91F-DE54AED1A25F}" type="datetimeFigureOut">
               <a:rPr lang="zh-CN" altLang="en-US" smtClean="0"/>
               <a:t>2024/3/10</a:t>
             </a:fld>
@@ -2075,7 +2075,7 @@
           <p:cNvPr id="3" name="页脚占位符 2">
             <a:extLst>
               <a:ext uri="{FF2B5EF4-FFF2-40B4-BE49-F238E27FC236}">
-                <a16:creationId xmlns:a16="http://schemas.microsoft.com/office/drawing/2014/main" id="{8D3EC09B-8494-D83F-543E-9CE1E993369F}"/>
+                <a16:creationId xmlns:a16="http://schemas.microsoft.com/office/drawing/2014/main" id="{4F62E937-A48C-4C4F-078E-6BBC23E4F5D0}"/>
               </a:ext>
             </a:extLst>
           </p:cNvPr>
@@ -2100,7 +2100,7 @@
           <p:cNvPr id="4" name="灯片编号占位符 3">
             <a:extLst>
               <a:ext uri="{FF2B5EF4-FFF2-40B4-BE49-F238E27FC236}">
-                <a16:creationId xmlns:a16="http://schemas.microsoft.com/office/drawing/2014/main" id="{9527EC4A-6825-C28E-C9BA-4173AFD99CB1}"/>
+                <a16:creationId xmlns:a16="http://schemas.microsoft.com/office/drawing/2014/main" id="{E04F921F-04D3-5CC2-7DC1-2F59EA5EA240}"/>
               </a:ext>
             </a:extLst>
           </p:cNvPr>
@@ -2116,7 +2116,7 @@
           <a:bodyPr/>
           <a:lstStyle/>
           <a:p>
-            <a:fld id="{DAC390F2-EA72-4BD2-B2BB-1BCCF9F152E5}" type="slidenum">
+            <a:fld id="{CB792261-A5A7-415A-AF33-B3BEE2785DAC}" type="slidenum">
               <a:rPr lang="zh-CN" altLang="en-US" smtClean="0"/>
               <a:t>‹#›</a:t>
             </a:fld>
@@ -2127,7 +2127,7 @@
     </p:spTree>
     <p:extLst>
       <p:ext uri="{BB962C8B-B14F-4D97-AF65-F5344CB8AC3E}">
-        <p14:creationId xmlns:p14="http://schemas.microsoft.com/office/powerpoint/2010/main" val="2744097893"/>
+        <p14:creationId xmlns:p14="http://schemas.microsoft.com/office/powerpoint/2010/main" val="453711693"/>
       </p:ext>
     </p:extLst>
   </p:cSld>
@@ -2159,7 +2159,7 @@
           <p:cNvPr id="2" name="标题 1">
             <a:extLst>
               <a:ext uri="{FF2B5EF4-FFF2-40B4-BE49-F238E27FC236}">
-                <a16:creationId xmlns:a16="http://schemas.microsoft.com/office/drawing/2014/main" id="{F31F1A5E-8719-EA93-661F-0D07D72AD223}"/>
+                <a16:creationId xmlns:a16="http://schemas.microsoft.com/office/drawing/2014/main" id="{5F5F3105-1ACD-411B-8016-502834C1EAFD}"/>
               </a:ext>
             </a:extLst>
           </p:cNvPr>
@@ -2196,7 +2196,7 @@
           <p:cNvPr id="3" name="内容占位符 2">
             <a:extLst>
               <a:ext uri="{FF2B5EF4-FFF2-40B4-BE49-F238E27FC236}">
-                <a16:creationId xmlns:a16="http://schemas.microsoft.com/office/drawing/2014/main" id="{460AFEEB-B3BE-D0CA-7BB5-EEC277D181FD}"/>
+                <a16:creationId xmlns:a16="http://schemas.microsoft.com/office/drawing/2014/main" id="{E20C4272-3475-FBED-A9D7-3AB7E5882A5E}"/>
               </a:ext>
             </a:extLst>
           </p:cNvPr>
@@ -2286,7 +2286,7 @@
           <p:cNvPr id="4" name="文本占位符 3">
             <a:extLst>
               <a:ext uri="{FF2B5EF4-FFF2-40B4-BE49-F238E27FC236}">
-                <a16:creationId xmlns:a16="http://schemas.microsoft.com/office/drawing/2014/main" id="{D6B04E7E-42EC-AE26-FD43-47F9E48DBC78}"/>
+                <a16:creationId xmlns:a16="http://schemas.microsoft.com/office/drawing/2014/main" id="{23A89048-BEA3-78DD-7207-4A3C999FF307}"/>
               </a:ext>
             </a:extLst>
           </p:cNvPr>
@@ -2357,7 +2357,7 @@
           <p:cNvPr id="5" name="日期占位符 4">
             <a:extLst>
               <a:ext uri="{FF2B5EF4-FFF2-40B4-BE49-F238E27FC236}">
-                <a16:creationId xmlns:a16="http://schemas.microsoft.com/office/drawing/2014/main" id="{5195595E-6474-9906-B3B2-BDAA720C7AE5}"/>
+                <a16:creationId xmlns:a16="http://schemas.microsoft.com/office/drawing/2014/main" id="{9ABEC6B4-D80D-F648-4755-232AB5C6EFDA}"/>
               </a:ext>
             </a:extLst>
           </p:cNvPr>
@@ -2373,7 +2373,7 @@
           <a:bodyPr/>
           <a:lstStyle/>
           <a:p>
-            <a:fld id="{29260F09-4430-4611-8929-2942A0A412FA}" type="datetimeFigureOut">
+            <a:fld id="{B1930D90-FB24-491A-B91F-DE54AED1A25F}" type="datetimeFigureOut">
               <a:rPr lang="zh-CN" altLang="en-US" smtClean="0"/>
               <a:t>2024/3/10</a:t>
             </a:fld>
@@ -2386,7 +2386,7 @@
           <p:cNvPr id="6" name="页脚占位符 5">
             <a:extLst>
               <a:ext uri="{FF2B5EF4-FFF2-40B4-BE49-F238E27FC236}">
-                <a16:creationId xmlns:a16="http://schemas.microsoft.com/office/drawing/2014/main" id="{9A6F0741-073F-CC9A-8194-FFD94B9B048E}"/>
+                <a16:creationId xmlns:a16="http://schemas.microsoft.com/office/drawing/2014/main" id="{1EB71E27-76C3-644D-F062-580C2B3D9CE2}"/>
               </a:ext>
             </a:extLst>
           </p:cNvPr>
@@ -2411,7 +2411,7 @@
           <p:cNvPr id="7" name="灯片编号占位符 6">
             <a:extLst>
               <a:ext uri="{FF2B5EF4-FFF2-40B4-BE49-F238E27FC236}">
-                <a16:creationId xmlns:a16="http://schemas.microsoft.com/office/drawing/2014/main" id="{3A1E6CC1-4DC2-B7F0-4800-92B282EAB7A5}"/>
+                <a16:creationId xmlns:a16="http://schemas.microsoft.com/office/drawing/2014/main" id="{E3F18494-F654-C6F4-09E2-2F47DB988AAF}"/>
               </a:ext>
             </a:extLst>
           </p:cNvPr>
@@ -2427,7 +2427,7 @@
           <a:bodyPr/>
           <a:lstStyle/>
           <a:p>
-            <a:fld id="{DAC390F2-EA72-4BD2-B2BB-1BCCF9F152E5}" type="slidenum">
+            <a:fld id="{CB792261-A5A7-415A-AF33-B3BEE2785DAC}" type="slidenum">
               <a:rPr lang="zh-CN" altLang="en-US" smtClean="0"/>
               <a:t>‹#›</a:t>
             </a:fld>
@@ -2438,7 +2438,7 @@
     </p:spTree>
     <p:extLst>
       <p:ext uri="{BB962C8B-B14F-4D97-AF65-F5344CB8AC3E}">
-        <p14:creationId xmlns:p14="http://schemas.microsoft.com/office/powerpoint/2010/main" val="2001569412"/>
+        <p14:creationId xmlns:p14="http://schemas.microsoft.com/office/powerpoint/2010/main" val="941371664"/>
       </p:ext>
     </p:extLst>
   </p:cSld>
@@ -2470,7 +2470,7 @@
           <p:cNvPr id="2" name="标题 1">
             <a:extLst>
               <a:ext uri="{FF2B5EF4-FFF2-40B4-BE49-F238E27FC236}">
-                <a16:creationId xmlns:a16="http://schemas.microsoft.com/office/drawing/2014/main" id="{81FBF529-80E2-161E-1AD0-CCE0DC3B6250}"/>
+                <a16:creationId xmlns:a16="http://schemas.microsoft.com/office/drawing/2014/main" id="{F68FDF82-D012-9B1C-7DD0-E1D75EBFDDBB}"/>
               </a:ext>
             </a:extLst>
           </p:cNvPr>
@@ -2507,7 +2507,7 @@
           <p:cNvPr id="3" name="图片占位符 2">
             <a:extLst>
               <a:ext uri="{FF2B5EF4-FFF2-40B4-BE49-F238E27FC236}">
-                <a16:creationId xmlns:a16="http://schemas.microsoft.com/office/drawing/2014/main" id="{7D2FF7BE-DB06-9B4F-EA23-81C8A38E1DE1}"/>
+                <a16:creationId xmlns:a16="http://schemas.microsoft.com/office/drawing/2014/main" id="{9F0EA041-6532-8191-1AC2-A4C72D9C9C95}"/>
               </a:ext>
             </a:extLst>
           </p:cNvPr>
@@ -2574,7 +2574,7 @@
           <p:cNvPr id="4" name="文本占位符 3">
             <a:extLst>
               <a:ext uri="{FF2B5EF4-FFF2-40B4-BE49-F238E27FC236}">
-                <a16:creationId xmlns:a16="http://schemas.microsoft.com/office/drawing/2014/main" id="{B1DC0E50-A27B-9A1B-6484-1F54161A441A}"/>
+                <a16:creationId xmlns:a16="http://schemas.microsoft.com/office/drawing/2014/main" id="{5177DC9F-6AA5-10DD-1D33-D521BF194C56}"/>
               </a:ext>
             </a:extLst>
           </p:cNvPr>
@@ -2645,7 +2645,7 @@
           <p:cNvPr id="5" name="日期占位符 4">
             <a:extLst>
               <a:ext uri="{FF2B5EF4-FFF2-40B4-BE49-F238E27FC236}">
-                <a16:creationId xmlns:a16="http://schemas.microsoft.com/office/drawing/2014/main" id="{1802872E-E4A4-270E-DC46-3853170D05CC}"/>
+                <a16:creationId xmlns:a16="http://schemas.microsoft.com/office/drawing/2014/main" id="{71C9A954-A51F-7763-BAAE-53B447604A9A}"/>
               </a:ext>
             </a:extLst>
           </p:cNvPr>
@@ -2661,7 +2661,7 @@
           <a:bodyPr/>
           <a:lstStyle/>
           <a:p>
-            <a:fld id="{29260F09-4430-4611-8929-2942A0A412FA}" type="datetimeFigureOut">
+            <a:fld id="{B1930D90-FB24-491A-B91F-DE54AED1A25F}" type="datetimeFigureOut">
               <a:rPr lang="zh-CN" altLang="en-US" smtClean="0"/>
               <a:t>2024/3/10</a:t>
             </a:fld>
@@ -2674,7 +2674,7 @@
           <p:cNvPr id="6" name="页脚占位符 5">
             <a:extLst>
               <a:ext uri="{FF2B5EF4-FFF2-40B4-BE49-F238E27FC236}">
-                <a16:creationId xmlns:a16="http://schemas.microsoft.com/office/drawing/2014/main" id="{6AC65AF0-4FFD-1B7C-3593-D201C23D5CA1}"/>
+                <a16:creationId xmlns:a16="http://schemas.microsoft.com/office/drawing/2014/main" id="{4C628663-A09E-5216-9DD4-10E02C3BBF4B}"/>
               </a:ext>
             </a:extLst>
           </p:cNvPr>
@@ -2699,7 +2699,7 @@
           <p:cNvPr id="7" name="灯片编号占位符 6">
             <a:extLst>
               <a:ext uri="{FF2B5EF4-FFF2-40B4-BE49-F238E27FC236}">
-                <a16:creationId xmlns:a16="http://schemas.microsoft.com/office/drawing/2014/main" id="{0153D827-4881-18B2-B814-D37FBB99EF35}"/>
+                <a16:creationId xmlns:a16="http://schemas.microsoft.com/office/drawing/2014/main" id="{5003EFDD-6362-4358-0F4E-097D5C2B66E4}"/>
               </a:ext>
             </a:extLst>
           </p:cNvPr>
@@ -2715,7 +2715,7 @@
           <a:bodyPr/>
           <a:lstStyle/>
           <a:p>
-            <a:fld id="{DAC390F2-EA72-4BD2-B2BB-1BCCF9F152E5}" type="slidenum">
+            <a:fld id="{CB792261-A5A7-415A-AF33-B3BEE2785DAC}" type="slidenum">
               <a:rPr lang="zh-CN" altLang="en-US" smtClean="0"/>
               <a:t>‹#›</a:t>
             </a:fld>
@@ -2726,7 +2726,7 @@
     </p:spTree>
     <p:extLst>
       <p:ext uri="{BB962C8B-B14F-4D97-AF65-F5344CB8AC3E}">
-        <p14:creationId xmlns:p14="http://schemas.microsoft.com/office/powerpoint/2010/main" val="2592169509"/>
+        <p14:creationId xmlns:p14="http://schemas.microsoft.com/office/powerpoint/2010/main" val="4038945465"/>
       </p:ext>
     </p:extLst>
   </p:cSld>
@@ -2763,7 +2763,7 @@
           <p:cNvPr id="2" name="标题占位符 1">
             <a:extLst>
               <a:ext uri="{FF2B5EF4-FFF2-40B4-BE49-F238E27FC236}">
-                <a16:creationId xmlns:a16="http://schemas.microsoft.com/office/drawing/2014/main" id="{FC3F366A-4490-824B-3A4F-F32C4E004973}"/>
+                <a16:creationId xmlns:a16="http://schemas.microsoft.com/office/drawing/2014/main" id="{CA1D1E1D-C940-BFDE-FAE7-CA502ADBB2BF}"/>
               </a:ext>
             </a:extLst>
           </p:cNvPr>
@@ -2801,7 +2801,7 @@
           <p:cNvPr id="3" name="文本占位符 2">
             <a:extLst>
               <a:ext uri="{FF2B5EF4-FFF2-40B4-BE49-F238E27FC236}">
-                <a16:creationId xmlns:a16="http://schemas.microsoft.com/office/drawing/2014/main" id="{900DFE22-10FE-9741-A657-D2B04CA5C7A6}"/>
+                <a16:creationId xmlns:a16="http://schemas.microsoft.com/office/drawing/2014/main" id="{D1187675-4309-04E3-3677-F00A147579C5}"/>
               </a:ext>
             </a:extLst>
           </p:cNvPr>
@@ -2868,7 +2868,7 @@
           <p:cNvPr id="4" name="日期占位符 3">
             <a:extLst>
               <a:ext uri="{FF2B5EF4-FFF2-40B4-BE49-F238E27FC236}">
-                <a16:creationId xmlns:a16="http://schemas.microsoft.com/office/drawing/2014/main" id="{504B5A81-443B-AEEB-CA57-0B28FAFB6A14}"/>
+                <a16:creationId xmlns:a16="http://schemas.microsoft.com/office/drawing/2014/main" id="{94DAEC5D-54EB-31DA-8E13-FEEECB062098}"/>
               </a:ext>
             </a:extLst>
           </p:cNvPr>
@@ -2902,7 +2902,7 @@
             </a:lvl1pPr>
           </a:lstStyle>
           <a:p>
-            <a:fld id="{29260F09-4430-4611-8929-2942A0A412FA}" type="datetimeFigureOut">
+            <a:fld id="{B1930D90-FB24-491A-B91F-DE54AED1A25F}" type="datetimeFigureOut">
               <a:rPr lang="zh-CN" altLang="en-US" smtClean="0"/>
               <a:t>2024/3/10</a:t>
             </a:fld>
@@ -2915,7 +2915,7 @@
           <p:cNvPr id="5" name="页脚占位符 4">
             <a:extLst>
               <a:ext uri="{FF2B5EF4-FFF2-40B4-BE49-F238E27FC236}">
-                <a16:creationId xmlns:a16="http://schemas.microsoft.com/office/drawing/2014/main" id="{341C97C9-C2A1-9829-B4BD-A82F546420C3}"/>
+                <a16:creationId xmlns:a16="http://schemas.microsoft.com/office/drawing/2014/main" id="{C144B262-9272-41B2-4CE4-F422B5011BF2}"/>
               </a:ext>
             </a:extLst>
           </p:cNvPr>
@@ -2958,7 +2958,7 @@
           <p:cNvPr id="6" name="灯片编号占位符 5">
             <a:extLst>
               <a:ext uri="{FF2B5EF4-FFF2-40B4-BE49-F238E27FC236}">
-                <a16:creationId xmlns:a16="http://schemas.microsoft.com/office/drawing/2014/main" id="{99CD80C0-F2A9-826A-21DB-2D99313B8A0E}"/>
+                <a16:creationId xmlns:a16="http://schemas.microsoft.com/office/drawing/2014/main" id="{652294D9-9850-D9AA-E0CC-77BC8B94E459}"/>
               </a:ext>
             </a:extLst>
           </p:cNvPr>
@@ -2992,7 +2992,7 @@
             </a:lvl1pPr>
           </a:lstStyle>
           <a:p>
-            <a:fld id="{DAC390F2-EA72-4BD2-B2BB-1BCCF9F152E5}" type="slidenum">
+            <a:fld id="{CB792261-A5A7-415A-AF33-B3BEE2785DAC}" type="slidenum">
               <a:rPr lang="zh-CN" altLang="en-US" smtClean="0"/>
               <a:t>‹#›</a:t>
             </a:fld>
@@ -3003,7 +3003,7 @@
     </p:spTree>
     <p:extLst>
       <p:ext uri="{BB962C8B-B14F-4D97-AF65-F5344CB8AC3E}">
-        <p14:creationId xmlns:p14="http://schemas.microsoft.com/office/powerpoint/2010/main" val="3732181524"/>
+        <p14:creationId xmlns:p14="http://schemas.microsoft.com/office/powerpoint/2010/main" val="480327589"/>
       </p:ext>
     </p:extLst>
   </p:cSld>
